--- a/ncs/persona.pptx
+++ b/ncs/persona.pptx
@@ -8,6 +8,7 @@
     <p:sldId id="256" r:id="rId2"/>
     <p:sldId id="257" r:id="rId3"/>
     <p:sldId id="258" r:id="rId4"/>
+    <p:sldId id="259" r:id="rId5"/>
   </p:sldIdLst>
   <p:sldSz cx="12192000" cy="6858000"/>
   <p:notesSz cx="6858000" cy="9144000"/>
@@ -106,6 +107,11 @@
       </a:defRPr>
     </a:lvl9pPr>
   </p:defaultTextStyle>
+  <p:extLst>
+    <p:ext uri="{EFAFB233-063F-42B5-8137-9DF3F51BA10A}">
+      <p15:sldGuideLst xmlns:p15="http://schemas.microsoft.com/office/powerpoint/2012/main"/>
+    </p:ext>
+  </p:extLst>
 </p:presentation>
 </file>
 
@@ -3323,56 +3329,6 @@
           <a:chExt cx="0" cy="0"/>
         </a:xfrm>
       </p:grpSpPr>
-      <p:sp>
-        <p:nvSpPr>
-          <p:cNvPr id="4" name="제목 3">
-            <a:extLst>
-              <a:ext uri="{FF2B5EF4-FFF2-40B4-BE49-F238E27FC236}">
-                <a16:creationId xmlns:a16="http://schemas.microsoft.com/office/drawing/2014/main" id="{ABC492BB-67FF-4E9E-8647-8972BADC4A90}"/>
-              </a:ext>
-            </a:extLst>
-          </p:cNvPr>
-          <p:cNvSpPr>
-            <a:spLocks noGrp="1"/>
-          </p:cNvSpPr>
-          <p:nvPr>
-            <p:ph type="ctrTitle"/>
-          </p:nvPr>
-        </p:nvSpPr>
-        <p:spPr/>
-        <p:txBody>
-          <a:bodyPr/>
-          <a:lstStyle/>
-          <a:p>
-            <a:endParaRPr lang="ko-KR" altLang="en-US"/>
-          </a:p>
-        </p:txBody>
-      </p:sp>
-      <p:sp>
-        <p:nvSpPr>
-          <p:cNvPr id="5" name="부제목 4">
-            <a:extLst>
-              <a:ext uri="{FF2B5EF4-FFF2-40B4-BE49-F238E27FC236}">
-                <a16:creationId xmlns:a16="http://schemas.microsoft.com/office/drawing/2014/main" id="{68FB297D-E873-4BF4-BA91-9C063A493ED2}"/>
-              </a:ext>
-            </a:extLst>
-          </p:cNvPr>
-          <p:cNvSpPr>
-            <a:spLocks noGrp="1"/>
-          </p:cNvSpPr>
-          <p:nvPr>
-            <p:ph type="subTitle" idx="1"/>
-          </p:nvPr>
-        </p:nvSpPr>
-        <p:spPr/>
-        <p:txBody>
-          <a:bodyPr/>
-          <a:lstStyle/>
-          <a:p>
-            <a:endParaRPr lang="ko-KR" altLang="en-US" dirty="0"/>
-          </a:p>
-        </p:txBody>
-      </p:sp>
       <p:pic>
         <p:nvPicPr>
           <p:cNvPr id="12" name="그림 11">
@@ -3395,13 +3351,12 @@
               </a:ext>
             </a:extLst>
           </a:blip>
-          <a:stretch>
-            <a:fillRect/>
-          </a:stretch>
+          <a:srcRect/>
+          <a:stretch/>
         </p:blipFill>
         <p:spPr>
           <a:xfrm>
-            <a:off x="0" y="0"/>
+            <a:off x="6220" y="0"/>
             <a:ext cx="12192000" cy="6858000"/>
           </a:xfrm>
           <a:prstGeom prst="rect">
@@ -3409,6 +3364,66 @@
           </a:prstGeom>
         </p:spPr>
       </p:pic>
+      <p:sp>
+        <p:nvSpPr>
+          <p:cNvPr id="4" name="제목 3">
+            <a:extLst>
+              <a:ext uri="{FF2B5EF4-FFF2-40B4-BE49-F238E27FC236}">
+                <a16:creationId xmlns:a16="http://schemas.microsoft.com/office/drawing/2014/main" id="{ABC492BB-67FF-4E9E-8647-8972BADC4A90}"/>
+              </a:ext>
+            </a:extLst>
+          </p:cNvPr>
+          <p:cNvSpPr>
+            <a:spLocks noGrp="1"/>
+          </p:cNvSpPr>
+          <p:nvPr>
+            <p:ph type="ctrTitle"/>
+          </p:nvPr>
+        </p:nvSpPr>
+        <p:spPr>
+          <a:xfrm>
+            <a:off x="4018383" y="1231641"/>
+            <a:ext cx="4155233" cy="1625179"/>
+          </a:xfrm>
+        </p:spPr>
+        <p:txBody>
+          <a:bodyPr>
+            <a:normAutofit/>
+          </a:bodyPr>
+          <a:lstStyle/>
+          <a:p>
+            <a:pPr>
+              <a:lnSpc>
+                <a:spcPct val="100000"/>
+              </a:lnSpc>
+            </a:pPr>
+            <a:r>
+              <a:rPr lang="en-US" altLang="ko-KR" sz="3200" dirty="0">
+                <a:latin typeface="에스코어 드림 3 Light" panose="020B0303030302020204" pitchFamily="34" charset="-127"/>
+                <a:ea typeface="에스코어 드림 3 Light" panose="020B0303030302020204" pitchFamily="34" charset="-127"/>
+              </a:rPr>
+              <a:t>DRIVE COURSE</a:t>
+            </a:r>
+            <a:br>
+              <a:rPr lang="en-US" altLang="ko-KR" sz="3200" dirty="0">
+                <a:latin typeface="에스코어 드림 3 Light" panose="020B0303030302020204" pitchFamily="34" charset="-127"/>
+                <a:ea typeface="에스코어 드림 3 Light" panose="020B0303030302020204" pitchFamily="34" charset="-127"/>
+              </a:rPr>
+            </a:br>
+            <a:r>
+              <a:rPr lang="en-US" altLang="ko-KR" sz="3200" dirty="0">
+                <a:latin typeface="에스코어 드림 3 Light" panose="020B0303030302020204" pitchFamily="34" charset="-127"/>
+                <a:ea typeface="에스코어 드림 3 Light" panose="020B0303030302020204" pitchFamily="34" charset="-127"/>
+              </a:rPr>
+              <a:t>SHARE APP</a:t>
+            </a:r>
+            <a:endParaRPr lang="ko-KR" altLang="en-US" sz="3200" dirty="0">
+              <a:latin typeface="에스코어 드림 3 Light" panose="020B0303030302020204" pitchFamily="34" charset="-127"/>
+              <a:ea typeface="에스코어 드림 3 Light" panose="020B0303030302020204" pitchFamily="34" charset="-127"/>
+            </a:endParaRPr>
+          </a:p>
+        </p:txBody>
+      </p:sp>
     </p:spTree>
     <p:extLst>
       <p:ext uri="{BB962C8B-B14F-4D97-AF65-F5344CB8AC3E}">
@@ -3439,56 +3454,6 @@
           <a:chExt cx="0" cy="0"/>
         </a:xfrm>
       </p:grpSpPr>
-      <p:sp>
-        <p:nvSpPr>
-          <p:cNvPr id="4" name="제목 3">
-            <a:extLst>
-              <a:ext uri="{FF2B5EF4-FFF2-40B4-BE49-F238E27FC236}">
-                <a16:creationId xmlns:a16="http://schemas.microsoft.com/office/drawing/2014/main" id="{ABC492BB-67FF-4E9E-8647-8972BADC4A90}"/>
-              </a:ext>
-            </a:extLst>
-          </p:cNvPr>
-          <p:cNvSpPr>
-            <a:spLocks noGrp="1"/>
-          </p:cNvSpPr>
-          <p:nvPr>
-            <p:ph type="ctrTitle"/>
-          </p:nvPr>
-        </p:nvSpPr>
-        <p:spPr/>
-        <p:txBody>
-          <a:bodyPr/>
-          <a:lstStyle/>
-          <a:p>
-            <a:endParaRPr lang="ko-KR" altLang="en-US"/>
-          </a:p>
-        </p:txBody>
-      </p:sp>
-      <p:sp>
-        <p:nvSpPr>
-          <p:cNvPr id="5" name="부제목 4">
-            <a:extLst>
-              <a:ext uri="{FF2B5EF4-FFF2-40B4-BE49-F238E27FC236}">
-                <a16:creationId xmlns:a16="http://schemas.microsoft.com/office/drawing/2014/main" id="{68FB297D-E873-4BF4-BA91-9C063A493ED2}"/>
-              </a:ext>
-            </a:extLst>
-          </p:cNvPr>
-          <p:cNvSpPr>
-            <a:spLocks noGrp="1"/>
-          </p:cNvSpPr>
-          <p:nvPr>
-            <p:ph type="subTitle" idx="1"/>
-          </p:nvPr>
-        </p:nvSpPr>
-        <p:spPr/>
-        <p:txBody>
-          <a:bodyPr/>
-          <a:lstStyle/>
-          <a:p>
-            <a:endParaRPr lang="ko-KR" altLang="en-US" dirty="0"/>
-          </a:p>
-        </p:txBody>
-      </p:sp>
       <p:pic>
         <p:nvPicPr>
           <p:cNvPr id="12" name="그림 11">
@@ -3526,33 +3491,43 @@
       </p:pic>
       <p:sp>
         <p:nvSpPr>
-          <p:cNvPr id="6" name="TextBox 5">
-            <a:extLst>
-              <a:ext uri="{FF2B5EF4-FFF2-40B4-BE49-F238E27FC236}">
-                <a16:creationId xmlns:a16="http://schemas.microsoft.com/office/drawing/2014/main" id="{8DB5CB48-EB22-43D9-8685-F0037C237716}"/>
-              </a:ext>
-            </a:extLst>
-          </p:cNvPr>
-          <p:cNvSpPr txBox="1"/>
-          <p:nvPr/>
+          <p:cNvPr id="5" name="부제목 4">
+            <a:extLst>
+              <a:ext uri="{FF2B5EF4-FFF2-40B4-BE49-F238E27FC236}">
+                <a16:creationId xmlns:a16="http://schemas.microsoft.com/office/drawing/2014/main" id="{68FB297D-E873-4BF4-BA91-9C063A493ED2}"/>
+              </a:ext>
+            </a:extLst>
+          </p:cNvPr>
+          <p:cNvSpPr>
+            <a:spLocks noGrp="1"/>
+          </p:cNvSpPr>
+          <p:nvPr>
+            <p:ph type="subTitle" idx="1"/>
+          </p:nvPr>
         </p:nvSpPr>
         <p:spPr>
           <a:xfrm>
-            <a:off x="3048000" y="3244334"/>
-            <a:ext cx="6096000" cy="369332"/>
+            <a:off x="945502" y="2482365"/>
+            <a:ext cx="1853682" cy="503431"/>
           </a:xfrm>
-          <a:prstGeom prst="rect">
-            <a:avLst/>
-          </a:prstGeom>
-          <a:noFill/>
         </p:spPr>
         <p:txBody>
-          <a:bodyPr wrap="square">
-            <a:spAutoFit/>
+          <a:bodyPr>
+            <a:normAutofit/>
           </a:bodyPr>
           <a:lstStyle/>
           <a:p>
-            <a:endParaRPr lang="ko-KR" altLang="en-US" dirty="0"/>
+            <a:r>
+              <a:rPr lang="en-US" altLang="ko-KR" sz="1400" dirty="0">
+                <a:latin typeface="에스코어 드림 3 Light" panose="020B0303030302020204" pitchFamily="34" charset="-127"/>
+                <a:ea typeface="에스코어 드림 3 Light" panose="020B0303030302020204" pitchFamily="34" charset="-127"/>
+              </a:rPr>
+              <a:t>PROJECT BRIEF</a:t>
+            </a:r>
+            <a:endParaRPr lang="ko-KR" altLang="en-US" sz="1400" dirty="0">
+              <a:latin typeface="에스코어 드림 3 Light" panose="020B0303030302020204" pitchFamily="34" charset="-127"/>
+              <a:ea typeface="에스코어 드림 3 Light" panose="020B0303030302020204" pitchFamily="34" charset="-127"/>
+            </a:endParaRPr>
           </a:p>
         </p:txBody>
       </p:sp>
@@ -3839,6 +3814,153 @@
     <p:extLst>
       <p:ext uri="{BB962C8B-B14F-4D97-AF65-F5344CB8AC3E}">
         <p14:creationId xmlns:p14="http://schemas.microsoft.com/office/powerpoint/2010/main" val="785086255"/>
+      </p:ext>
+    </p:extLst>
+  </p:cSld>
+  <p:clrMapOvr>
+    <a:masterClrMapping/>
+  </p:clrMapOvr>
+</p:sld>
+</file>
+
+<file path=ppt/slides/slide4.xml><?xml version="1.0" encoding="utf-8"?>
+<p:sld xmlns:a="http://schemas.openxmlformats.org/drawingml/2006/main" xmlns:r="http://schemas.openxmlformats.org/officeDocument/2006/relationships" xmlns:p="http://schemas.openxmlformats.org/presentationml/2006/main">
+  <p:cSld>
+    <p:spTree>
+      <p:nvGrpSpPr>
+        <p:cNvPr id="1" name=""/>
+        <p:cNvGrpSpPr/>
+        <p:nvPr/>
+      </p:nvGrpSpPr>
+      <p:grpSpPr>
+        <a:xfrm>
+          <a:off x="0" y="0"/>
+          <a:ext cx="0" cy="0"/>
+          <a:chOff x="0" y="0"/>
+          <a:chExt cx="0" cy="0"/>
+        </a:xfrm>
+      </p:grpSpPr>
+      <p:sp>
+        <p:nvSpPr>
+          <p:cNvPr id="4" name="제목 3">
+            <a:extLst>
+              <a:ext uri="{FF2B5EF4-FFF2-40B4-BE49-F238E27FC236}">
+                <a16:creationId xmlns:a16="http://schemas.microsoft.com/office/drawing/2014/main" id="{ABC492BB-67FF-4E9E-8647-8972BADC4A90}"/>
+              </a:ext>
+            </a:extLst>
+          </p:cNvPr>
+          <p:cNvSpPr>
+            <a:spLocks noGrp="1"/>
+          </p:cNvSpPr>
+          <p:nvPr>
+            <p:ph type="ctrTitle"/>
+          </p:nvPr>
+        </p:nvSpPr>
+        <p:spPr/>
+        <p:txBody>
+          <a:bodyPr/>
+          <a:lstStyle/>
+          <a:p>
+            <a:endParaRPr lang="ko-KR" altLang="en-US"/>
+          </a:p>
+        </p:txBody>
+      </p:sp>
+      <p:sp>
+        <p:nvSpPr>
+          <p:cNvPr id="5" name="부제목 4">
+            <a:extLst>
+              <a:ext uri="{FF2B5EF4-FFF2-40B4-BE49-F238E27FC236}">
+                <a16:creationId xmlns:a16="http://schemas.microsoft.com/office/drawing/2014/main" id="{68FB297D-E873-4BF4-BA91-9C063A493ED2}"/>
+              </a:ext>
+            </a:extLst>
+          </p:cNvPr>
+          <p:cNvSpPr>
+            <a:spLocks noGrp="1"/>
+          </p:cNvSpPr>
+          <p:nvPr>
+            <p:ph type="subTitle" idx="1"/>
+          </p:nvPr>
+        </p:nvSpPr>
+        <p:spPr/>
+        <p:txBody>
+          <a:bodyPr/>
+          <a:lstStyle/>
+          <a:p>
+            <a:endParaRPr lang="ko-KR" altLang="en-US" dirty="0"/>
+          </a:p>
+        </p:txBody>
+      </p:sp>
+      <p:pic>
+        <p:nvPicPr>
+          <p:cNvPr id="12" name="그림 11">
+            <a:extLst>
+              <a:ext uri="{FF2B5EF4-FFF2-40B4-BE49-F238E27FC236}">
+                <a16:creationId xmlns:a16="http://schemas.microsoft.com/office/drawing/2014/main" id="{754911E1-7CA0-4B7F-8777-EFD871597FC8}"/>
+              </a:ext>
+            </a:extLst>
+          </p:cNvPr>
+          <p:cNvPicPr>
+            <a:picLocks noChangeAspect="1"/>
+          </p:cNvPicPr>
+          <p:nvPr/>
+        </p:nvPicPr>
+        <p:blipFill>
+          <a:blip r:embed="rId2">
+            <a:extLst>
+              <a:ext uri="{28A0092B-C50C-407E-A947-70E740481C1C}">
+                <a14:useLocalDpi xmlns:a14="http://schemas.microsoft.com/office/drawing/2010/main" val="0"/>
+              </a:ext>
+            </a:extLst>
+          </a:blip>
+          <a:srcRect/>
+          <a:stretch/>
+        </p:blipFill>
+        <p:spPr>
+          <a:xfrm>
+            <a:off x="0" y="0"/>
+            <a:ext cx="12192000" cy="6858000"/>
+          </a:xfrm>
+          <a:prstGeom prst="rect">
+            <a:avLst/>
+          </a:prstGeom>
+        </p:spPr>
+      </p:pic>
+      <p:sp>
+        <p:nvSpPr>
+          <p:cNvPr id="6" name="TextBox 5">
+            <a:extLst>
+              <a:ext uri="{FF2B5EF4-FFF2-40B4-BE49-F238E27FC236}">
+                <a16:creationId xmlns:a16="http://schemas.microsoft.com/office/drawing/2014/main" id="{8DB5CB48-EB22-43D9-8685-F0037C237716}"/>
+              </a:ext>
+            </a:extLst>
+          </p:cNvPr>
+          <p:cNvSpPr txBox="1"/>
+          <p:nvPr/>
+        </p:nvSpPr>
+        <p:spPr>
+          <a:xfrm>
+            <a:off x="3048000" y="3244334"/>
+            <a:ext cx="6096000" cy="369332"/>
+          </a:xfrm>
+          <a:prstGeom prst="rect">
+            <a:avLst/>
+          </a:prstGeom>
+          <a:noFill/>
+        </p:spPr>
+        <p:txBody>
+          <a:bodyPr wrap="square">
+            <a:spAutoFit/>
+          </a:bodyPr>
+          <a:lstStyle/>
+          <a:p>
+            <a:endParaRPr lang="ko-KR" altLang="en-US" dirty="0"/>
+          </a:p>
+        </p:txBody>
+      </p:sp>
+    </p:spTree>
+    <p:extLst>
+      <p:ext uri="{BB962C8B-B14F-4D97-AF65-F5344CB8AC3E}">
+        <p14:creationId xmlns:p14="http://schemas.microsoft.com/office/powerpoint/2010/main" val="3437382662"/>
       </p:ext>
     </p:extLst>
   </p:cSld>
